--- a/Games/GameAndWatch/Images Editor.pptx
+++ b/Games/GameAndWatch/Images Editor.pptx
@@ -6,6 +6,8 @@
   </p:sldMasterIdLst>
   <p:sldIdLst>
     <p:sldId id="256" r:id="rId2"/>
+    <p:sldId id="257" r:id="rId3"/>
+    <p:sldId id="258" r:id="rId4"/>
   </p:sldIdLst>
   <p:sldSz cx="12192000" cy="6858000"/>
   <p:notesSz cx="6858000" cy="9144000"/>
@@ -447,7 +449,7 @@
           <a:p>
             <a:fld id="{AA2D5501-9F36-4C3E-97D7-8E8C40C7925C}" type="datetimeFigureOut">
               <a:rPr lang="he-IL" smtClean="0"/>
-              <a:t>ט"ו/טבת/תשפ"ג</a:t>
+              <a:t>ט"ז/טבת/תשפ"ג</a:t>
             </a:fld>
             <a:endParaRPr lang="he-IL"/>
           </a:p>
@@ -1535,7 +1537,7 @@
           <a:p>
             <a:fld id="{AA2D5501-9F36-4C3E-97D7-8E8C40C7925C}" type="datetimeFigureOut">
               <a:rPr lang="he-IL" smtClean="0"/>
-              <a:t>ט"ו/טבת/תשפ"ג</a:t>
+              <a:t>ט"ז/טבת/תשפ"ג</a:t>
             </a:fld>
             <a:endParaRPr lang="he-IL"/>
           </a:p>
@@ -2515,7 +2517,7 @@
           <a:p>
             <a:fld id="{AA2D5501-9F36-4C3E-97D7-8E8C40C7925C}" type="datetimeFigureOut">
               <a:rPr lang="he-IL" smtClean="0"/>
-              <a:t>ט"ו/טבת/תשפ"ג</a:t>
+              <a:t>ט"ז/טבת/תשפ"ג</a:t>
             </a:fld>
             <a:endParaRPr lang="he-IL"/>
           </a:p>
@@ -3649,7 +3651,7 @@
           <a:p>
             <a:fld id="{AA2D5501-9F36-4C3E-97D7-8E8C40C7925C}" type="datetimeFigureOut">
               <a:rPr lang="he-IL" smtClean="0"/>
-              <a:t>ט"ו/טבת/תשפ"ג</a:t>
+              <a:t>ט"ז/טבת/תשפ"ג</a:t>
             </a:fld>
             <a:endParaRPr lang="he-IL"/>
           </a:p>
@@ -4682,7 +4684,7 @@
           <a:p>
             <a:fld id="{AA2D5501-9F36-4C3E-97D7-8E8C40C7925C}" type="datetimeFigureOut">
               <a:rPr lang="he-IL" smtClean="0"/>
-              <a:t>ט"ו/טבת/תשפ"ג</a:t>
+              <a:t>ט"ז/טבת/תשפ"ג</a:t>
             </a:fld>
             <a:endParaRPr lang="he-IL"/>
           </a:p>
@@ -5342,7 +5344,7 @@
           <a:p>
             <a:fld id="{AA2D5501-9F36-4C3E-97D7-8E8C40C7925C}" type="datetimeFigureOut">
               <a:rPr lang="he-IL" smtClean="0"/>
-              <a:t>ט"ו/טבת/תשפ"ג</a:t>
+              <a:t>ט"ז/טבת/תשפ"ג</a:t>
             </a:fld>
             <a:endParaRPr lang="he-IL"/>
           </a:p>
@@ -6203,7 +6205,7 @@
           <a:p>
             <a:fld id="{AA2D5501-9F36-4C3E-97D7-8E8C40C7925C}" type="datetimeFigureOut">
               <a:rPr lang="he-IL" smtClean="0"/>
-              <a:t>ט"ו/טבת/תשפ"ג</a:t>
+              <a:t>ט"ז/טבת/תשפ"ג</a:t>
             </a:fld>
             <a:endParaRPr lang="he-IL"/>
           </a:p>
@@ -6393,7 +6395,7 @@
           <a:p>
             <a:fld id="{AA2D5501-9F36-4C3E-97D7-8E8C40C7925C}" type="datetimeFigureOut">
               <a:rPr lang="he-IL" smtClean="0"/>
-              <a:t>ט"ו/טבת/תשפ"ג</a:t>
+              <a:t>ט"ז/טבת/תשפ"ג</a:t>
             </a:fld>
             <a:endParaRPr lang="he-IL"/>
           </a:p>
@@ -7365,7 +7367,7 @@
           <a:p>
             <a:fld id="{AA2D5501-9F36-4C3E-97D7-8E8C40C7925C}" type="datetimeFigureOut">
               <a:rPr lang="he-IL" smtClean="0"/>
-              <a:t>ט"ו/טבת/תשפ"ג</a:t>
+              <a:t>ט"ז/טבת/תשפ"ג</a:t>
             </a:fld>
             <a:endParaRPr lang="he-IL"/>
           </a:p>
@@ -7576,7 +7578,7 @@
           <a:p>
             <a:fld id="{AA2D5501-9F36-4C3E-97D7-8E8C40C7925C}" type="datetimeFigureOut">
               <a:rPr lang="he-IL" smtClean="0"/>
-              <a:t>ט"ו/טבת/תשפ"ג</a:t>
+              <a:t>ט"ז/טבת/תשפ"ג</a:t>
             </a:fld>
             <a:endParaRPr lang="he-IL"/>
           </a:p>
@@ -8610,7 +8612,7 @@
           <a:p>
             <a:fld id="{AA2D5501-9F36-4C3E-97D7-8E8C40C7925C}" type="datetimeFigureOut">
               <a:rPr lang="he-IL" smtClean="0"/>
-              <a:t>ט"ו/טבת/תשפ"ג</a:t>
+              <a:t>ט"ז/טבת/תשפ"ג</a:t>
             </a:fld>
             <a:endParaRPr lang="he-IL"/>
           </a:p>
@@ -8882,7 +8884,7 @@
           <a:p>
             <a:fld id="{AA2D5501-9F36-4C3E-97D7-8E8C40C7925C}" type="datetimeFigureOut">
               <a:rPr lang="he-IL" smtClean="0"/>
-              <a:t>ט"ו/טבת/תשפ"ג</a:t>
+              <a:t>ט"ז/טבת/תשפ"ג</a:t>
             </a:fld>
             <a:endParaRPr lang="he-IL"/>
           </a:p>
@@ -9292,7 +9294,7 @@
           <a:p>
             <a:fld id="{AA2D5501-9F36-4C3E-97D7-8E8C40C7925C}" type="datetimeFigureOut">
               <a:rPr lang="he-IL" smtClean="0"/>
-              <a:t>ט"ו/טבת/תשפ"ג</a:t>
+              <a:t>ט"ז/טבת/תשפ"ג</a:t>
             </a:fld>
             <a:endParaRPr lang="he-IL"/>
           </a:p>
@@ -9419,7 +9421,7 @@
           <a:p>
             <a:fld id="{AA2D5501-9F36-4C3E-97D7-8E8C40C7925C}" type="datetimeFigureOut">
               <a:rPr lang="he-IL" smtClean="0"/>
-              <a:t>ט"ו/טבת/תשפ"ג</a:t>
+              <a:t>ט"ז/טבת/תשפ"ג</a:t>
             </a:fld>
             <a:endParaRPr lang="he-IL"/>
           </a:p>
@@ -9514,7 +9516,7 @@
           <a:p>
             <a:fld id="{AA2D5501-9F36-4C3E-97D7-8E8C40C7925C}" type="datetimeFigureOut">
               <a:rPr lang="he-IL" smtClean="0"/>
-              <a:t>ט"ו/טבת/תשפ"ג</a:t>
+              <a:t>ט"ז/טבת/תשפ"ג</a:t>
             </a:fld>
             <a:endParaRPr lang="he-IL"/>
           </a:p>
@@ -10595,7 +10597,7 @@
           <a:p>
             <a:fld id="{AA2D5501-9F36-4C3E-97D7-8E8C40C7925C}" type="datetimeFigureOut">
               <a:rPr lang="he-IL" smtClean="0"/>
-              <a:t>ט"ו/טבת/תשפ"ג</a:t>
+              <a:t>ט"ז/טבת/תשפ"ג</a:t>
             </a:fld>
             <a:endParaRPr lang="he-IL"/>
           </a:p>
@@ -11703,7 +11705,7 @@
           <a:p>
             <a:fld id="{AA2D5501-9F36-4C3E-97D7-8E8C40C7925C}" type="datetimeFigureOut">
               <a:rPr lang="he-IL" smtClean="0"/>
-              <a:t>ט"ו/טבת/תשפ"ג</a:t>
+              <a:t>ט"ז/טבת/תשפ"ג</a:t>
             </a:fld>
             <a:endParaRPr lang="he-IL"/>
           </a:p>
@@ -12700,7 +12702,7 @@
           <a:p>
             <a:fld id="{AA2D5501-9F36-4C3E-97D7-8E8C40C7925C}" type="datetimeFigureOut">
               <a:rPr lang="he-IL" smtClean="0"/>
-              <a:t>ט"ו/טבת/תשפ"ג</a:t>
+              <a:t>ט"ז/טבת/תשפ"ג</a:t>
             </a:fld>
             <a:endParaRPr lang="he-IL"/>
           </a:p>
@@ -13575,6 +13577,408 @@
 </p:sld>
 </file>
 
+<file path=ppt/slides/slide2.xml><?xml version="1.0" encoding="utf-8"?>
+<p:sld xmlns:a="http://schemas.openxmlformats.org/drawingml/2006/main" xmlns:r="http://schemas.openxmlformats.org/officeDocument/2006/relationships" xmlns:p="http://schemas.openxmlformats.org/presentationml/2006/main">
+  <p:cSld>
+    <p:spTree>
+      <p:nvGrpSpPr>
+        <p:cNvPr id="1" name=""/>
+        <p:cNvGrpSpPr/>
+        <p:nvPr/>
+      </p:nvGrpSpPr>
+      <p:grpSpPr>
+        <a:xfrm>
+          <a:off x="0" y="0"/>
+          <a:ext cx="0" cy="0"/>
+          <a:chOff x="0" y="0"/>
+          <a:chExt cx="0" cy="0"/>
+        </a:xfrm>
+      </p:grpSpPr>
+      <p:pic>
+        <p:nvPicPr>
+          <p:cNvPr id="7" name="תמונה 6">
+            <a:extLst>
+              <a:ext uri="{FF2B5EF4-FFF2-40B4-BE49-F238E27FC236}">
+                <a16:creationId xmlns:a16="http://schemas.microsoft.com/office/drawing/2014/main" id="{2ED9D427-33FB-4ECB-A746-30E588426F36}"/>
+              </a:ext>
+            </a:extLst>
+          </p:cNvPr>
+          <p:cNvPicPr>
+            <a:picLocks noChangeAspect="1"/>
+          </p:cNvPicPr>
+          <p:nvPr/>
+        </p:nvPicPr>
+        <p:blipFill rotWithShape="1">
+          <a:blip r:embed="rId2">
+            <a:extLst>
+              <a:ext uri="{BEBA8EAE-BF5A-486C-A8C5-ECC9F3942E4B}">
+                <a14:imgProps xmlns:a14="http://schemas.microsoft.com/office/drawing/2010/main">
+                  <a14:imgLayer r:embed="rId3">
+                    <a14:imgEffect>
+                      <a14:backgroundRemoval t="66825" b="99683" l="52000" r="86667">
+                        <a14:foregroundMark x1="84000" y1="79683" x2="85111" y2="67460"/>
+                        <a14:foregroundMark x1="86556" y1="73492" x2="86556" y2="73492"/>
+                        <a14:foregroundMark x1="86667" y1="75714" x2="86667" y2="75714"/>
+                        <a14:foregroundMark x1="83444" y1="70317" x2="83444" y2="70317"/>
+                        <a14:foregroundMark x1="77778" y1="91111" x2="77778" y2="91111"/>
+                        <a14:foregroundMark x1="83222" y1="91270" x2="83222" y2="91270"/>
+                        <a14:foregroundMark x1="61889" y1="90000" x2="61889" y2="90000"/>
+                        <a14:foregroundMark x1="62667" y1="91429" x2="62667" y2="91429"/>
+                        <a14:foregroundMark x1="62333" y1="90952" x2="62333" y2="90952"/>
+                        <a14:foregroundMark x1="62444" y1="91429" x2="62444" y2="91429"/>
+                        <a14:foregroundMark x1="58667" y1="90794" x2="58667" y2="90794"/>
+                        <a14:foregroundMark x1="58778" y1="91270" x2="58778" y2="91270"/>
+                        <a14:foregroundMark x1="52889" y1="77778" x2="52889" y2="77778"/>
+                        <a14:foregroundMark x1="53667" y1="68571" x2="53667" y2="68571"/>
+                        <a14:foregroundMark x1="52000" y1="73810" x2="52000" y2="73810"/>
+                        <a14:foregroundMark x1="53111" y1="66984" x2="53111" y2="66984"/>
+                        <a14:foregroundMark x1="76556" y1="81587" x2="76000" y2="82381"/>
+                        <a14:foregroundMark x1="67222" y1="99206" x2="67222" y2="99683"/>
+                        <a14:backgroundMark x1="77778" y1="82540" x2="77778" y2="82540"/>
+                        <a14:backgroundMark x1="61556" y1="82063" x2="61556" y2="82063"/>
+                      </a14:backgroundRemoval>
+                    </a14:imgEffect>
+                  </a14:imgLayer>
+                </a14:imgProps>
+              </a:ext>
+              <a:ext uri="{28A0092B-C50C-407E-A947-70E740481C1C}">
+                <a14:useLocalDpi xmlns:a14="http://schemas.microsoft.com/office/drawing/2010/main" val="0"/>
+              </a:ext>
+            </a:extLst>
+          </a:blip>
+          <a:srcRect l="51019" t="65263" r="12175" b="7812"/>
+          <a:stretch/>
+        </p:blipFill>
+        <p:spPr>
+          <a:xfrm>
+            <a:off x="4567311" y="3330417"/>
+            <a:ext cx="3606018" cy="1846494"/>
+          </a:xfrm>
+          <a:prstGeom prst="rect">
+            <a:avLst/>
+          </a:prstGeom>
+          <a:effectLst>
+            <a:glow rad="50800">
+              <a:schemeClr val="tx1"/>
+            </a:glow>
+            <a:softEdge rad="12700"/>
+          </a:effectLst>
+        </p:spPr>
+      </p:pic>
+      <p:pic>
+        <p:nvPicPr>
+          <p:cNvPr id="8" name="תמונה 7">
+            <a:extLst>
+              <a:ext uri="{FF2B5EF4-FFF2-40B4-BE49-F238E27FC236}">
+                <a16:creationId xmlns:a16="http://schemas.microsoft.com/office/drawing/2014/main" id="{B996E884-12BC-43B7-8054-C5D6A6BE7718}"/>
+              </a:ext>
+            </a:extLst>
+          </p:cNvPr>
+          <p:cNvPicPr>
+            <a:picLocks noChangeAspect="1"/>
+          </p:cNvPicPr>
+          <p:nvPr/>
+        </p:nvPicPr>
+        <p:blipFill rotWithShape="1">
+          <a:blip r:embed="rId4">
+            <a:extLst>
+              <a:ext uri="{BEBA8EAE-BF5A-486C-A8C5-ECC9F3942E4B}">
+                <a14:imgProps xmlns:a14="http://schemas.microsoft.com/office/drawing/2010/main">
+                  <a14:imgLayer r:embed="rId3">
+                    <a14:imgEffect>
+                      <a14:backgroundRemoval t="56032" b="69048" l="59667" r="73778">
+                        <a14:foregroundMark x1="67222" y1="58254" x2="67222" y2="58254"/>
+                        <a14:foregroundMark x1="66588" y1="60317" x2="66444" y2="60794"/>
+                        <a14:foregroundMark x1="66683" y1="60000" x2="66588" y2="60317"/>
+                        <a14:foregroundMark x1="61667" y1="62857" x2="62081" y2="62857"/>
+                        <a14:foregroundMark x1="62333" y1="62857" x2="62333" y2="62857"/>
+                        <a14:foregroundMark x1="62111" y1="62698" x2="62111" y2="62698"/>
+                        <a14:foregroundMark x1="62222" y1="62698" x2="62222" y2="62698"/>
+                        <a14:foregroundMark x1="62111" y1="62698" x2="62444" y2="62857"/>
+                        <a14:foregroundMark x1="66778" y1="59365" x2="66778" y2="59365"/>
+                        <a14:foregroundMark x1="69222" y1="63492" x2="69824" y2="63205"/>
+                        <a14:foregroundMark x1="71111" y1="63016" x2="71111" y2="63016"/>
+                        <a14:foregroundMark x1="69556" y1="64286" x2="69556" y2="64286"/>
+                        <a14:foregroundMark x1="70222" y1="63492" x2="70222" y2="63492"/>
+                        <a14:foregroundMark x1="70556" y1="63175" x2="70556" y2="63175"/>
+                        <a14:foregroundMark x1="70000" y1="62698" x2="70000" y2="62698"/>
+                        <a14:foregroundMark x1="70556" y1="62063" x2="70556" y2="62063"/>
+                        <a14:foregroundMark x1="73778" y1="60159" x2="73778" y2="60159"/>
+                        <a14:backgroundMark x1="62222" y1="62222" x2="62222" y2="62222"/>
+                        <a14:backgroundMark x1="62444" y1="62381" x2="62444" y2="62381"/>
+                        <a14:backgroundMark x1="62000" y1="62381" x2="62000" y2="62381"/>
+                        <a14:backgroundMark x1="67111" y1="60000" x2="67111" y2="60000"/>
+                        <a14:backgroundMark x1="67000" y1="59841" x2="67000" y2="59841"/>
+                        <a14:backgroundMark x1="67000" y1="60317" x2="67000" y2="60317"/>
+                        <a14:backgroundMark x1="69778" y1="63333" x2="71000" y2="62698"/>
+                        <a14:backgroundMark x1="71000" y1="63175" x2="71000" y2="63175"/>
+                        <a14:backgroundMark x1="71222" y1="63016" x2="71222" y2="62540"/>
+                        <a14:backgroundMark x1="71000" y1="63016" x2="71000" y2="63016"/>
+                        <a14:backgroundMark x1="69444" y1="63651" x2="69444" y2="63651"/>
+                      </a14:backgroundRemoval>
+                    </a14:imgEffect>
+                  </a14:imgLayer>
+                </a14:imgProps>
+              </a:ext>
+              <a:ext uri="{28A0092B-C50C-407E-A947-70E740481C1C}">
+                <a14:useLocalDpi xmlns:a14="http://schemas.microsoft.com/office/drawing/2010/main" val="0"/>
+              </a:ext>
+            </a:extLst>
+          </a:blip>
+          <a:srcRect l="60746" t="56149" r="28916" b="32723"/>
+          <a:stretch/>
+        </p:blipFill>
+        <p:spPr>
+          <a:xfrm flipH="1">
+            <a:off x="6421902" y="2032781"/>
+            <a:ext cx="1012874" cy="763173"/>
+          </a:xfrm>
+          <a:prstGeom prst="rect">
+            <a:avLst/>
+          </a:prstGeom>
+          <a:effectLst>
+            <a:glow rad="50800">
+              <a:schemeClr val="tx1"/>
+            </a:glow>
+          </a:effectLst>
+        </p:spPr>
+      </p:pic>
+      <p:pic>
+        <p:nvPicPr>
+          <p:cNvPr id="9" name="תמונה 8">
+            <a:extLst>
+              <a:ext uri="{FF2B5EF4-FFF2-40B4-BE49-F238E27FC236}">
+                <a16:creationId xmlns:a16="http://schemas.microsoft.com/office/drawing/2014/main" id="{DC2C14E9-CA39-4FAE-8342-03668362CC6F}"/>
+              </a:ext>
+            </a:extLst>
+          </p:cNvPr>
+          <p:cNvPicPr>
+            <a:picLocks noChangeAspect="1"/>
+          </p:cNvPicPr>
+          <p:nvPr/>
+        </p:nvPicPr>
+        <p:blipFill rotWithShape="1">
+          <a:blip r:embed="rId5">
+            <a:extLst>
+              <a:ext uri="{BEBA8EAE-BF5A-486C-A8C5-ECC9F3942E4B}">
+                <a14:imgProps xmlns:a14="http://schemas.microsoft.com/office/drawing/2010/main">
+                  <a14:imgLayer r:embed="rId3">
+                    <a14:imgEffect>
+                      <a14:backgroundRemoval t="64127" b="77302" l="66222" r="76667">
+                        <a14:foregroundMark x1="68222" y1="73810" x2="68222" y2="73810"/>
+                        <a14:foregroundMark x1="68667" y1="74127" x2="68667" y2="74127"/>
+                        <a14:foregroundMark x1="67778" y1="74603" x2="67778" y2="74603"/>
+                        <a14:foregroundMark x1="70111" y1="71746" x2="70111" y2="71746"/>
+                        <a14:foregroundMark x1="76333" y1="73492" x2="75111" y2="73968"/>
+                        <a14:foregroundMark x1="70333" y1="71905" x2="70889" y2="72381"/>
+                        <a14:foregroundMark x1="69889" y1="71587" x2="69889" y2="71587"/>
+                        <a14:foregroundMark x1="69778" y1="71746" x2="69778" y2="71746"/>
+                        <a14:foregroundMark x1="76667" y1="73333" x2="76667" y2="73333"/>
+                        <a14:foregroundMark x1="76222" y1="73175" x2="76222" y2="73175"/>
+                        <a14:foregroundMark x1="76444" y1="73175" x2="76444" y2="73175"/>
+                        <a14:backgroundMark x1="75000" y1="73016" x2="75000" y2="73016"/>
+                        <a14:backgroundMark x1="68333" y1="74127" x2="68333" y2="74127"/>
+                      </a14:backgroundRemoval>
+                    </a14:imgEffect>
+                  </a14:imgLayer>
+                </a14:imgProps>
+              </a:ext>
+              <a:ext uri="{28A0092B-C50C-407E-A947-70E740481C1C}">
+                <a14:useLocalDpi xmlns:a14="http://schemas.microsoft.com/office/drawing/2010/main" val="0"/>
+              </a:ext>
+            </a:extLst>
+          </a:blip>
+          <a:srcRect l="67074" t="63694" r="22983" b="22204"/>
+          <a:stretch/>
+        </p:blipFill>
+        <p:spPr>
+          <a:xfrm flipH="1">
+            <a:off x="5205046" y="1681089"/>
+            <a:ext cx="974236" cy="967154"/>
+          </a:xfrm>
+          <a:prstGeom prst="rect">
+            <a:avLst/>
+          </a:prstGeom>
+          <a:effectLst>
+            <a:glow rad="50800">
+              <a:schemeClr val="tx1"/>
+            </a:glow>
+            <a:softEdge rad="12700"/>
+          </a:effectLst>
+        </p:spPr>
+      </p:pic>
+      <p:pic>
+        <p:nvPicPr>
+          <p:cNvPr id="3" name="תמונה 2">
+            <a:extLst>
+              <a:ext uri="{FF2B5EF4-FFF2-40B4-BE49-F238E27FC236}">
+                <a16:creationId xmlns:a16="http://schemas.microsoft.com/office/drawing/2014/main" id="{776DE1D5-4165-4B59-8B65-39D31B917E00}"/>
+              </a:ext>
+            </a:extLst>
+          </p:cNvPr>
+          <p:cNvPicPr>
+            <a:picLocks noChangeAspect="1"/>
+          </p:cNvPicPr>
+          <p:nvPr/>
+        </p:nvPicPr>
+        <p:blipFill rotWithShape="1">
+          <a:blip r:embed="rId6">
+            <a:extLst>
+              <a:ext uri="{BEBA8EAE-BF5A-486C-A8C5-ECC9F3942E4B}">
+                <a14:imgProps xmlns:a14="http://schemas.microsoft.com/office/drawing/2010/main">
+                  <a14:imgLayer r:embed="rId7">
+                    <a14:imgEffect>
+                      <a14:backgroundRemoval t="10000" b="90000" l="10000" r="90000"/>
+                    </a14:imgEffect>
+                  </a14:imgLayer>
+                </a14:imgProps>
+              </a:ext>
+              <a:ext uri="{28A0092B-C50C-407E-A947-70E740481C1C}">
+                <a14:useLocalDpi xmlns:a14="http://schemas.microsoft.com/office/drawing/2010/main" val="0"/>
+              </a:ext>
+            </a:extLst>
+          </a:blip>
+          <a:srcRect l="16898" t="26908" r="13893" b="12445"/>
+          <a:stretch/>
+        </p:blipFill>
+        <p:spPr>
+          <a:xfrm flipH="1">
+            <a:off x="7863839" y="1226372"/>
+            <a:ext cx="2145400" cy="1253307"/>
+          </a:xfrm>
+          <a:prstGeom prst="rect">
+            <a:avLst/>
+          </a:prstGeom>
+          <a:effectLst>
+            <a:glow rad="50800">
+              <a:schemeClr val="tx1"/>
+            </a:glow>
+          </a:effectLst>
+        </p:spPr>
+      </p:pic>
+      <p:pic>
+        <p:nvPicPr>
+          <p:cNvPr id="10" name="תמונה 9">
+            <a:extLst>
+              <a:ext uri="{FF2B5EF4-FFF2-40B4-BE49-F238E27FC236}">
+                <a16:creationId xmlns:a16="http://schemas.microsoft.com/office/drawing/2014/main" id="{4FFB0A99-2CB6-4254-9F38-E203D72D0004}"/>
+              </a:ext>
+            </a:extLst>
+          </p:cNvPr>
+          <p:cNvPicPr>
+            <a:picLocks noChangeAspect="1"/>
+          </p:cNvPicPr>
+          <p:nvPr/>
+        </p:nvPicPr>
+        <p:blipFill rotWithShape="1">
+          <a:blip r:embed="rId6">
+            <a:extLst>
+              <a:ext uri="{BEBA8EAE-BF5A-486C-A8C5-ECC9F3942E4B}">
+                <a14:imgProps xmlns:a14="http://schemas.microsoft.com/office/drawing/2010/main">
+                  <a14:imgLayer r:embed="rId7">
+                    <a14:imgEffect>
+                      <a14:backgroundRemoval t="10000" b="90000" l="10000" r="90000"/>
+                    </a14:imgEffect>
+                  </a14:imgLayer>
+                </a14:imgProps>
+              </a:ext>
+              <a:ext uri="{28A0092B-C50C-407E-A947-70E740481C1C}">
+                <a14:useLocalDpi xmlns:a14="http://schemas.microsoft.com/office/drawing/2010/main" val="0"/>
+              </a:ext>
+            </a:extLst>
+          </a:blip>
+          <a:srcRect l="19997" t="37633" r="59483" b="41273"/>
+          <a:stretch/>
+        </p:blipFill>
+        <p:spPr>
+          <a:xfrm>
+            <a:off x="9288376" y="1463130"/>
+            <a:ext cx="636092" cy="435917"/>
+          </a:xfrm>
+          <a:prstGeom prst="rect">
+            <a:avLst/>
+          </a:prstGeom>
+          <a:effectLst/>
+        </p:spPr>
+      </p:pic>
+    </p:spTree>
+    <p:extLst>
+      <p:ext uri="{BB962C8B-B14F-4D97-AF65-F5344CB8AC3E}">
+        <p14:creationId xmlns:p14="http://schemas.microsoft.com/office/powerpoint/2010/main" val="974944433"/>
+      </p:ext>
+    </p:extLst>
+  </p:cSld>
+  <p:clrMapOvr>
+    <a:masterClrMapping/>
+  </p:clrMapOvr>
+</p:sld>
+</file>
+
+<file path=ppt/slides/slide3.xml><?xml version="1.0" encoding="utf-8"?>
+<p:sld xmlns:a="http://schemas.openxmlformats.org/drawingml/2006/main" xmlns:r="http://schemas.openxmlformats.org/officeDocument/2006/relationships" xmlns:p="http://schemas.openxmlformats.org/presentationml/2006/main">
+  <p:cSld>
+    <p:spTree>
+      <p:nvGrpSpPr>
+        <p:cNvPr id="1" name=""/>
+        <p:cNvGrpSpPr/>
+        <p:nvPr/>
+      </p:nvGrpSpPr>
+      <p:grpSpPr>
+        <a:xfrm>
+          <a:off x="0" y="0"/>
+          <a:ext cx="0" cy="0"/>
+          <a:chOff x="0" y="0"/>
+          <a:chExt cx="0" cy="0"/>
+        </a:xfrm>
+      </p:grpSpPr>
+      <p:pic>
+        <p:nvPicPr>
+          <p:cNvPr id="5" name="תמונה 4">
+            <a:extLst>
+              <a:ext uri="{FF2B5EF4-FFF2-40B4-BE49-F238E27FC236}">
+                <a16:creationId xmlns:a16="http://schemas.microsoft.com/office/drawing/2014/main" id="{B964CB1A-2A84-49D2-98EF-0B7B7DB9D94C}"/>
+              </a:ext>
+            </a:extLst>
+          </p:cNvPr>
+          <p:cNvPicPr>
+            <a:picLocks noChangeAspect="1"/>
+          </p:cNvPicPr>
+          <p:nvPr/>
+        </p:nvPicPr>
+        <p:blipFill rotWithShape="1">
+          <a:blip r:embed="rId2">
+            <a:extLst>
+              <a:ext uri="{28A0092B-C50C-407E-A947-70E740481C1C}">
+                <a14:useLocalDpi xmlns:a14="http://schemas.microsoft.com/office/drawing/2010/main" val="0"/>
+              </a:ext>
+            </a:extLst>
+          </a:blip>
+          <a:srcRect l="36003" r="19552"/>
+          <a:stretch/>
+        </p:blipFill>
+        <p:spPr>
+          <a:xfrm>
+            <a:off x="-1" y="-1"/>
+            <a:ext cx="9163665" cy="6872749"/>
+          </a:xfrm>
+          <a:prstGeom prst="rect">
+            <a:avLst/>
+          </a:prstGeom>
+        </p:spPr>
+      </p:pic>
+    </p:spTree>
+    <p:extLst>
+      <p:ext uri="{BB962C8B-B14F-4D97-AF65-F5344CB8AC3E}">
+        <p14:creationId xmlns:p14="http://schemas.microsoft.com/office/powerpoint/2010/main" val="2499907271"/>
+      </p:ext>
+    </p:extLst>
+  </p:cSld>
+  <p:clrMapOvr>
+    <a:masterClrMapping/>
+  </p:clrMapOvr>
+</p:sld>
+</file>
+
 <file path=ppt/theme/theme1.xml><?xml version="1.0" encoding="utf-8"?>
 <a:theme xmlns:a="http://schemas.openxmlformats.org/drawingml/2006/main" name="יונים - חדר ישיבות">
   <a:themeElements>

--- a/Games/GameAndWatch/Images Editor.pptx
+++ b/Games/GameAndWatch/Images Editor.pptx
@@ -8,6 +8,9 @@
     <p:sldId id="256" r:id="rId2"/>
     <p:sldId id="257" r:id="rId3"/>
     <p:sldId id="258" r:id="rId4"/>
+    <p:sldId id="261" r:id="rId5"/>
+    <p:sldId id="260" r:id="rId6"/>
+    <p:sldId id="259" r:id="rId7"/>
   </p:sldIdLst>
   <p:sldSz cx="12192000" cy="6858000"/>
   <p:notesSz cx="6858000" cy="9144000"/>
@@ -13966,10 +13969,422 @@
           </a:prstGeom>
         </p:spPr>
       </p:pic>
+      <p:pic>
+        <p:nvPicPr>
+          <p:cNvPr id="3" name="תמונה 2">
+            <a:extLst>
+              <a:ext uri="{FF2B5EF4-FFF2-40B4-BE49-F238E27FC236}">
+                <a16:creationId xmlns:a16="http://schemas.microsoft.com/office/drawing/2014/main" id="{FCD0B4A6-D2F8-4938-9E19-3D96ED54281E}"/>
+              </a:ext>
+            </a:extLst>
+          </p:cNvPr>
+          <p:cNvPicPr>
+            <a:picLocks noChangeAspect="1"/>
+          </p:cNvPicPr>
+          <p:nvPr/>
+        </p:nvPicPr>
+        <p:blipFill rotWithShape="1">
+          <a:blip r:embed="rId3">
+            <a:extLst>
+              <a:ext uri="{BEBA8EAE-BF5A-486C-A8C5-ECC9F3942E4B}">
+                <a14:imgProps xmlns:a14="http://schemas.microsoft.com/office/drawing/2010/main">
+                  <a14:imgLayer r:embed="rId4">
+                    <a14:imgEffect>
+                      <a14:backgroundRemoval t="32815" b="53124" l="37614" r="50503">
+                        <a14:foregroundMark x1="47150" y1="37391" x2="47536" y2="35652"/>
+                        <a14:foregroundMark x1="46812" y1="38913" x2="47150" y2="37391"/>
+                        <a14:foregroundMark x1="48188" y1="39783" x2="48043" y2="39130"/>
+                        <a14:foregroundMark x1="43043" y1="49348" x2="43673" y2="47313"/>
+                        <a14:foregroundMark x1="44130" y1="48696" x2="44130" y2="48696"/>
+                        <a14:foregroundMark x1="43404" y1="50653" x2="43768" y2="50435"/>
+                        <a14:foregroundMark x1="44275" y1="48478" x2="44275" y2="48478"/>
+                        <a14:foregroundMark x1="40435" y1="50000" x2="40942" y2="48043"/>
+                        <a14:foregroundMark x1="40580" y1="48043" x2="40435" y2="47391"/>
+                        <a14:foregroundMark x1="40725" y1="47391" x2="41014" y2="47826"/>
+                        <a14:foregroundMark x1="38261" y1="38696" x2="38889" y2="35870"/>
+                        <a14:foregroundMark x1="37971" y1="37609" x2="38333" y2="39130"/>
+                        <a14:foregroundMark x1="40507" y1="37826" x2="40652" y2="40000"/>
+                        <a14:foregroundMark x1="40362" y1="36957" x2="41304" y2="38261"/>
+                        <a14:foregroundMark x1="43333" y1="36522" x2="44130" y2="37826"/>
+                        <a14:foregroundMark x1="38696" y1="38696" x2="38696" y2="38696"/>
+                        <a14:foregroundMark x1="48333" y1="48261" x2="47971" y2="49565"/>
+                        <a14:backgroundMark x1="40130" y1="45059" x2="37464" y2="45000"/>
+                        <a14:backgroundMark x1="41130" y1="45081" x2="40190" y2="45060"/>
+                        <a14:backgroundMark x1="43630" y1="45136" x2="41836" y2="45096"/>
+                        <a14:backgroundMark x1="47319" y1="45217" x2="44147" y2="45147"/>
+                        <a14:backgroundMark x1="42437" y1="34395" x2="42826" y2="31739"/>
+                        <a14:backgroundMark x1="41232" y1="42609" x2="42419" y2="34517"/>
+                        <a14:backgroundMark x1="45580" y1="35870" x2="44710" y2="46087"/>
+                        <a14:backgroundMark x1="47841" y1="37582" x2="46087" y2="45652"/>
+                        <a14:backgroundMark x1="48261" y1="35652" x2="47879" y2="37410"/>
+                        <a14:backgroundMark x1="46087" y1="45652" x2="45435" y2="46739"/>
+                        <a14:backgroundMark x1="39710" y1="41304" x2="39710" y2="45217"/>
+                        <a14:backgroundMark x1="39275" y1="35000" x2="38768" y2="34348"/>
+                        <a14:backgroundMark x1="38985" y1="35722" x2="38841" y2="35000"/>
+                        <a14:backgroundMark x1="37826" y1="42609" x2="37826" y2="42609"/>
+                        <a14:backgroundMark x1="37826" y1="42609" x2="38333" y2="42391"/>
+                        <a14:backgroundMark x1="42754" y1="42391" x2="42754" y2="42391"/>
+                        <a14:backgroundMark x1="48768" y1="37391" x2="48768" y2="37391"/>
+                        <a14:backgroundMark x1="48841" y1="37826" x2="49275" y2="37174"/>
+                        <a14:backgroundMark x1="48406" y1="45652" x2="49348" y2="46739"/>
+                        <a14:backgroundMark x1="43841" y1="46087" x2="44203" y2="44783"/>
+                        <a14:backgroundMark x1="47826" y1="43913" x2="48261" y2="43478"/>
+                        <a14:backgroundMark x1="40435" y1="42826" x2="41014" y2="42826"/>
+                      </a14:backgroundRemoval>
+                    </a14:imgEffect>
+                  </a14:imgLayer>
+                </a14:imgProps>
+              </a:ext>
+              <a:ext uri="{28A0092B-C50C-407E-A947-70E740481C1C}">
+                <a14:useLocalDpi xmlns:a14="http://schemas.microsoft.com/office/drawing/2010/main" val="0"/>
+              </a:ext>
+            </a:extLst>
+          </a:blip>
+          <a:srcRect l="36003" t="30276" r="47886" b="44337"/>
+          <a:stretch/>
+        </p:blipFill>
+        <p:spPr>
+          <a:xfrm>
+            <a:off x="-37516" y="1870043"/>
+            <a:ext cx="3357491" cy="2040776"/>
+          </a:xfrm>
+          <a:prstGeom prst="rect">
+            <a:avLst/>
+          </a:prstGeom>
+        </p:spPr>
+      </p:pic>
     </p:spTree>
     <p:extLst>
       <p:ext uri="{BB962C8B-B14F-4D97-AF65-F5344CB8AC3E}">
         <p14:creationId xmlns:p14="http://schemas.microsoft.com/office/powerpoint/2010/main" val="2499907271"/>
+      </p:ext>
+    </p:extLst>
+  </p:cSld>
+  <p:clrMapOvr>
+    <a:masterClrMapping/>
+  </p:clrMapOvr>
+</p:sld>
+</file>
+
+<file path=ppt/slides/slide4.xml><?xml version="1.0" encoding="utf-8"?>
+<p:sld xmlns:a="http://schemas.openxmlformats.org/drawingml/2006/main" xmlns:r="http://schemas.openxmlformats.org/officeDocument/2006/relationships" xmlns:p="http://schemas.openxmlformats.org/presentationml/2006/main">
+  <p:cSld>
+    <p:spTree>
+      <p:nvGrpSpPr>
+        <p:cNvPr id="1" name=""/>
+        <p:cNvGrpSpPr/>
+        <p:nvPr/>
+      </p:nvGrpSpPr>
+      <p:grpSpPr>
+        <a:xfrm>
+          <a:off x="0" y="0"/>
+          <a:ext cx="0" cy="0"/>
+          <a:chOff x="0" y="0"/>
+          <a:chExt cx="0" cy="0"/>
+        </a:xfrm>
+      </p:grpSpPr>
+      <p:pic>
+        <p:nvPicPr>
+          <p:cNvPr id="5" name="תמונה 4">
+            <a:extLst>
+              <a:ext uri="{FF2B5EF4-FFF2-40B4-BE49-F238E27FC236}">
+                <a16:creationId xmlns:a16="http://schemas.microsoft.com/office/drawing/2014/main" id="{B964CB1A-2A84-49D2-98EF-0B7B7DB9D94C}"/>
+              </a:ext>
+            </a:extLst>
+          </p:cNvPr>
+          <p:cNvPicPr>
+            <a:picLocks noChangeAspect="1"/>
+          </p:cNvPicPr>
+          <p:nvPr/>
+        </p:nvPicPr>
+        <p:blipFill rotWithShape="1">
+          <a:blip r:embed="rId2">
+            <a:extLst>
+              <a:ext uri="{28A0092B-C50C-407E-A947-70E740481C1C}">
+                <a14:useLocalDpi xmlns:a14="http://schemas.microsoft.com/office/drawing/2010/main" val="0"/>
+              </a:ext>
+            </a:extLst>
+          </a:blip>
+          <a:srcRect l="36003" r="19552"/>
+          <a:stretch/>
+        </p:blipFill>
+        <p:spPr>
+          <a:xfrm>
+            <a:off x="-1" y="-1"/>
+            <a:ext cx="9163665" cy="6872749"/>
+          </a:xfrm>
+          <a:prstGeom prst="rect">
+            <a:avLst/>
+          </a:prstGeom>
+        </p:spPr>
+      </p:pic>
+      <p:pic>
+        <p:nvPicPr>
+          <p:cNvPr id="3" name="תמונה 2">
+            <a:extLst>
+              <a:ext uri="{FF2B5EF4-FFF2-40B4-BE49-F238E27FC236}">
+                <a16:creationId xmlns:a16="http://schemas.microsoft.com/office/drawing/2014/main" id="{FCD0B4A6-D2F8-4938-9E19-3D96ED54281E}"/>
+              </a:ext>
+            </a:extLst>
+          </p:cNvPr>
+          <p:cNvPicPr>
+            <a:picLocks noChangeAspect="1"/>
+          </p:cNvPicPr>
+          <p:nvPr/>
+        </p:nvPicPr>
+        <p:blipFill rotWithShape="1">
+          <a:blip r:embed="rId3">
+            <a:extLst>
+              <a:ext uri="{BEBA8EAE-BF5A-486C-A8C5-ECC9F3942E4B}">
+                <a14:imgProps xmlns:a14="http://schemas.microsoft.com/office/drawing/2010/main">
+                  <a14:imgLayer r:embed="rId4">
+                    <a14:imgEffect>
+                      <a14:backgroundRemoval t="32815" b="53124" l="37614" r="50503">
+                        <a14:foregroundMark x1="47150" y1="37391" x2="47536" y2="35652"/>
+                        <a14:foregroundMark x1="46812" y1="38913" x2="47150" y2="37391"/>
+                        <a14:foregroundMark x1="48188" y1="39783" x2="48043" y2="39130"/>
+                        <a14:foregroundMark x1="43043" y1="49348" x2="43673" y2="47313"/>
+                        <a14:foregroundMark x1="44130" y1="48696" x2="44130" y2="48696"/>
+                        <a14:foregroundMark x1="43404" y1="50653" x2="43768" y2="50435"/>
+                        <a14:foregroundMark x1="44275" y1="48478" x2="44275" y2="48478"/>
+                        <a14:foregroundMark x1="40435" y1="50000" x2="40942" y2="48043"/>
+                        <a14:foregroundMark x1="40580" y1="48043" x2="40435" y2="47391"/>
+                        <a14:foregroundMark x1="40725" y1="47391" x2="41014" y2="47826"/>
+                        <a14:foregroundMark x1="38261" y1="38696" x2="38889" y2="35870"/>
+                        <a14:foregroundMark x1="37971" y1="37609" x2="38333" y2="39130"/>
+                        <a14:foregroundMark x1="40507" y1="37826" x2="40652" y2="40000"/>
+                        <a14:foregroundMark x1="40362" y1="36957" x2="41304" y2="38261"/>
+                        <a14:foregroundMark x1="43333" y1="36522" x2="44130" y2="37826"/>
+                        <a14:foregroundMark x1="38696" y1="38696" x2="38696" y2="38696"/>
+                        <a14:foregroundMark x1="48333" y1="48261" x2="47971" y2="49565"/>
+                        <a14:backgroundMark x1="40130" y1="45059" x2="37464" y2="45000"/>
+                        <a14:backgroundMark x1="41130" y1="45081" x2="40190" y2="45060"/>
+                        <a14:backgroundMark x1="43630" y1="45136" x2="41836" y2="45096"/>
+                        <a14:backgroundMark x1="47319" y1="45217" x2="44147" y2="45147"/>
+                        <a14:backgroundMark x1="42437" y1="34395" x2="42826" y2="31739"/>
+                        <a14:backgroundMark x1="41232" y1="42609" x2="42419" y2="34517"/>
+                        <a14:backgroundMark x1="45580" y1="35870" x2="44710" y2="46087"/>
+                        <a14:backgroundMark x1="47841" y1="37582" x2="46087" y2="45652"/>
+                        <a14:backgroundMark x1="48261" y1="35652" x2="47879" y2="37410"/>
+                        <a14:backgroundMark x1="46087" y1="45652" x2="45435" y2="46739"/>
+                        <a14:backgroundMark x1="39710" y1="41304" x2="39710" y2="45217"/>
+                        <a14:backgroundMark x1="39275" y1="35000" x2="38768" y2="34348"/>
+                        <a14:backgroundMark x1="38985" y1="35722" x2="38841" y2="35000"/>
+                        <a14:backgroundMark x1="37826" y1="42609" x2="37826" y2="42609"/>
+                        <a14:backgroundMark x1="37826" y1="42609" x2="38333" y2="42391"/>
+                        <a14:backgroundMark x1="42754" y1="42391" x2="42754" y2="42391"/>
+                        <a14:backgroundMark x1="48768" y1="37391" x2="48768" y2="37391"/>
+                        <a14:backgroundMark x1="48841" y1="37826" x2="49275" y2="37174"/>
+                        <a14:backgroundMark x1="48406" y1="45652" x2="49348" y2="46739"/>
+                        <a14:backgroundMark x1="43841" y1="46087" x2="44203" y2="44783"/>
+                        <a14:backgroundMark x1="47826" y1="43913" x2="48261" y2="43478"/>
+                        <a14:backgroundMark x1="40435" y1="42826" x2="41014" y2="42826"/>
+                      </a14:backgroundRemoval>
+                    </a14:imgEffect>
+                  </a14:imgLayer>
+                </a14:imgProps>
+              </a:ext>
+              <a:ext uri="{28A0092B-C50C-407E-A947-70E740481C1C}">
+                <a14:useLocalDpi xmlns:a14="http://schemas.microsoft.com/office/drawing/2010/main" val="0"/>
+              </a:ext>
+            </a:extLst>
+          </a:blip>
+          <a:srcRect l="36003" t="30276" r="47886" b="44337"/>
+          <a:stretch/>
+        </p:blipFill>
+        <p:spPr>
+          <a:xfrm>
+            <a:off x="-79719" y="2016369"/>
+            <a:ext cx="3463071" cy="1819085"/>
+          </a:xfrm>
+          <a:prstGeom prst="rect">
+            <a:avLst/>
+          </a:prstGeom>
+        </p:spPr>
+      </p:pic>
+    </p:spTree>
+    <p:extLst>
+      <p:ext uri="{BB962C8B-B14F-4D97-AF65-F5344CB8AC3E}">
+        <p14:creationId xmlns:p14="http://schemas.microsoft.com/office/powerpoint/2010/main" val="4146236165"/>
+      </p:ext>
+    </p:extLst>
+  </p:cSld>
+  <p:clrMapOvr>
+    <a:masterClrMapping/>
+  </p:clrMapOvr>
+</p:sld>
+</file>
+
+<file path=ppt/slides/slide5.xml><?xml version="1.0" encoding="utf-8"?>
+<p:sld xmlns:a="http://schemas.openxmlformats.org/drawingml/2006/main" xmlns:r="http://schemas.openxmlformats.org/officeDocument/2006/relationships" xmlns:p="http://schemas.openxmlformats.org/presentationml/2006/main">
+  <p:cSld>
+    <p:spTree>
+      <p:nvGrpSpPr>
+        <p:cNvPr id="1" name=""/>
+        <p:cNvGrpSpPr/>
+        <p:nvPr/>
+      </p:nvGrpSpPr>
+      <p:grpSpPr>
+        <a:xfrm>
+          <a:off x="0" y="0"/>
+          <a:ext cx="0" cy="0"/>
+          <a:chOff x="0" y="0"/>
+          <a:chExt cx="0" cy="0"/>
+        </a:xfrm>
+      </p:grpSpPr>
+      <p:pic>
+        <p:nvPicPr>
+          <p:cNvPr id="5" name="תמונה 4">
+            <a:extLst>
+              <a:ext uri="{FF2B5EF4-FFF2-40B4-BE49-F238E27FC236}">
+                <a16:creationId xmlns:a16="http://schemas.microsoft.com/office/drawing/2014/main" id="{B964CB1A-2A84-49D2-98EF-0B7B7DB9D94C}"/>
+              </a:ext>
+            </a:extLst>
+          </p:cNvPr>
+          <p:cNvPicPr>
+            <a:picLocks noChangeAspect="1"/>
+          </p:cNvPicPr>
+          <p:nvPr/>
+        </p:nvPicPr>
+        <p:blipFill rotWithShape="1">
+          <a:blip r:embed="rId2">
+            <a:extLst>
+              <a:ext uri="{28A0092B-C50C-407E-A947-70E740481C1C}">
+                <a14:useLocalDpi xmlns:a14="http://schemas.microsoft.com/office/drawing/2010/main" val="0"/>
+              </a:ext>
+            </a:extLst>
+          </a:blip>
+          <a:srcRect l="36003" r="19552"/>
+          <a:stretch/>
+        </p:blipFill>
+        <p:spPr>
+          <a:xfrm>
+            <a:off x="-1" y="-1"/>
+            <a:ext cx="9163665" cy="6872749"/>
+          </a:xfrm>
+          <a:prstGeom prst="rect">
+            <a:avLst/>
+          </a:prstGeom>
+        </p:spPr>
+      </p:pic>
+    </p:spTree>
+    <p:extLst>
+      <p:ext uri="{BB962C8B-B14F-4D97-AF65-F5344CB8AC3E}">
+        <p14:creationId xmlns:p14="http://schemas.microsoft.com/office/powerpoint/2010/main" val="2081056628"/>
+      </p:ext>
+    </p:extLst>
+  </p:cSld>
+  <p:clrMapOvr>
+    <a:masterClrMapping/>
+  </p:clrMapOvr>
+</p:sld>
+</file>
+
+<file path=ppt/slides/slide6.xml><?xml version="1.0" encoding="utf-8"?>
+<p:sld xmlns:a="http://schemas.openxmlformats.org/drawingml/2006/main" xmlns:r="http://schemas.openxmlformats.org/officeDocument/2006/relationships" xmlns:p="http://schemas.openxmlformats.org/presentationml/2006/main">
+  <p:cSld>
+    <p:spTree>
+      <p:nvGrpSpPr>
+        <p:cNvPr id="1" name=""/>
+        <p:cNvGrpSpPr/>
+        <p:nvPr/>
+      </p:nvGrpSpPr>
+      <p:grpSpPr>
+        <a:xfrm>
+          <a:off x="0" y="0"/>
+          <a:ext cx="0" cy="0"/>
+          <a:chOff x="0" y="0"/>
+          <a:chExt cx="0" cy="0"/>
+        </a:xfrm>
+      </p:grpSpPr>
+      <p:pic>
+        <p:nvPicPr>
+          <p:cNvPr id="5" name="תמונה 4">
+            <a:extLst>
+              <a:ext uri="{FF2B5EF4-FFF2-40B4-BE49-F238E27FC236}">
+                <a16:creationId xmlns:a16="http://schemas.microsoft.com/office/drawing/2014/main" id="{B964CB1A-2A84-49D2-98EF-0B7B7DB9D94C}"/>
+              </a:ext>
+            </a:extLst>
+          </p:cNvPr>
+          <p:cNvPicPr>
+            <a:picLocks noChangeAspect="1"/>
+          </p:cNvPicPr>
+          <p:nvPr/>
+        </p:nvPicPr>
+        <p:blipFill rotWithShape="1">
+          <a:blip r:embed="rId2">
+            <a:extLst>
+              <a:ext uri="{BEBA8EAE-BF5A-486C-A8C5-ECC9F3942E4B}">
+                <a14:imgProps xmlns:a14="http://schemas.microsoft.com/office/drawing/2010/main">
+                  <a14:imgLayer r:embed="rId3">
+                    <a14:imgEffect>
+                      <a14:backgroundRemoval t="32815" b="53124" l="37614" r="50503">
+                        <a14:foregroundMark x1="47150" y1="37391" x2="47536" y2="35652"/>
+                        <a14:foregroundMark x1="46812" y1="38913" x2="47150" y2="37391"/>
+                        <a14:foregroundMark x1="48188" y1="39783" x2="48043" y2="39130"/>
+                        <a14:foregroundMark x1="43043" y1="49348" x2="43673" y2="47313"/>
+                        <a14:foregroundMark x1="44130" y1="48696" x2="44130" y2="48696"/>
+                        <a14:foregroundMark x1="43404" y1="50653" x2="43768" y2="50435"/>
+                        <a14:foregroundMark x1="44275" y1="48478" x2="44275" y2="48478"/>
+                        <a14:foregroundMark x1="40435" y1="50000" x2="40942" y2="48043"/>
+                        <a14:foregroundMark x1="40580" y1="48043" x2="40435" y2="47391"/>
+                        <a14:foregroundMark x1="40725" y1="47391" x2="41014" y2="47826"/>
+                        <a14:foregroundMark x1="38261" y1="38696" x2="38889" y2="35870"/>
+                        <a14:foregroundMark x1="37971" y1="37609" x2="38333" y2="39130"/>
+                        <a14:foregroundMark x1="40507" y1="37826" x2="40652" y2="40000"/>
+                        <a14:foregroundMark x1="40362" y1="36957" x2="41304" y2="38261"/>
+                        <a14:foregroundMark x1="43333" y1="36522" x2="44130" y2="37826"/>
+                        <a14:foregroundMark x1="38696" y1="38696" x2="38696" y2="38696"/>
+                        <a14:foregroundMark x1="48333" y1="48261" x2="47971" y2="49565"/>
+                        <a14:backgroundMark x1="40130" y1="45059" x2="37464" y2="45000"/>
+                        <a14:backgroundMark x1="41130" y1="45081" x2="40190" y2="45060"/>
+                        <a14:backgroundMark x1="43630" y1="45136" x2="41836" y2="45096"/>
+                        <a14:backgroundMark x1="47319" y1="45217" x2="44147" y2="45147"/>
+                        <a14:backgroundMark x1="42437" y1="34395" x2="42826" y2="31739"/>
+                        <a14:backgroundMark x1="41232" y1="42609" x2="42419" y2="34517"/>
+                        <a14:backgroundMark x1="45580" y1="35870" x2="44710" y2="46087"/>
+                        <a14:backgroundMark x1="47841" y1="37582" x2="46087" y2="45652"/>
+                        <a14:backgroundMark x1="48261" y1="35652" x2="47879" y2="37410"/>
+                        <a14:backgroundMark x1="46087" y1="45652" x2="45435" y2="46739"/>
+                        <a14:backgroundMark x1="39710" y1="41304" x2="39710" y2="45217"/>
+                        <a14:backgroundMark x1="39275" y1="35000" x2="38768" y2="34348"/>
+                        <a14:backgroundMark x1="38985" y1="35722" x2="38841" y2="35000"/>
+                        <a14:backgroundMark x1="37826" y1="42609" x2="37826" y2="42609"/>
+                        <a14:backgroundMark x1="37826" y1="42609" x2="38333" y2="42391"/>
+                        <a14:backgroundMark x1="42754" y1="42391" x2="42754" y2="42391"/>
+                        <a14:backgroundMark x1="48768" y1="37391" x2="48768" y2="37391"/>
+                        <a14:backgroundMark x1="48841" y1="37826" x2="49275" y2="37174"/>
+                        <a14:backgroundMark x1="48406" y1="45652" x2="49348" y2="46739"/>
+                        <a14:backgroundMark x1="43841" y1="46087" x2="44203" y2="44783"/>
+                        <a14:backgroundMark x1="47826" y1="43913" x2="48261" y2="43478"/>
+                        <a14:backgroundMark x1="40435" y1="42826" x2="41014" y2="42826"/>
+                      </a14:backgroundRemoval>
+                    </a14:imgEffect>
+                  </a14:imgLayer>
+                </a14:imgProps>
+              </a:ext>
+              <a:ext uri="{28A0092B-C50C-407E-A947-70E740481C1C}">
+                <a14:useLocalDpi xmlns:a14="http://schemas.microsoft.com/office/drawing/2010/main" val="0"/>
+              </a:ext>
+            </a:extLst>
+          </a:blip>
+          <a:srcRect l="36003" t="30276" r="47886" b="44337"/>
+          <a:stretch/>
+        </p:blipFill>
+        <p:spPr>
+          <a:xfrm>
+            <a:off x="5477068" y="3349689"/>
+            <a:ext cx="3321699" cy="1744825"/>
+          </a:xfrm>
+          <a:prstGeom prst="rect">
+            <a:avLst/>
+          </a:prstGeom>
+        </p:spPr>
+      </p:pic>
+    </p:spTree>
+    <p:extLst>
+      <p:ext uri="{BB962C8B-B14F-4D97-AF65-F5344CB8AC3E}">
+        <p14:creationId xmlns:p14="http://schemas.microsoft.com/office/powerpoint/2010/main" val="4107778794"/>
       </p:ext>
     </p:extLst>
   </p:cSld>

--- a/Games/GameAndWatch/Images Editor.pptx
+++ b/Games/GameAndWatch/Images Editor.pptx
@@ -452,7 +452,7 @@
           <a:p>
             <a:fld id="{AA2D5501-9F36-4C3E-97D7-8E8C40C7925C}" type="datetimeFigureOut">
               <a:rPr lang="he-IL" smtClean="0"/>
-              <a:t>ט"ז/טבת/תשפ"ג</a:t>
+              <a:t>י"ח/טבת/תשפ"ג</a:t>
             </a:fld>
             <a:endParaRPr lang="he-IL"/>
           </a:p>
@@ -1540,7 +1540,7 @@
           <a:p>
             <a:fld id="{AA2D5501-9F36-4C3E-97D7-8E8C40C7925C}" type="datetimeFigureOut">
               <a:rPr lang="he-IL" smtClean="0"/>
-              <a:t>ט"ז/טבת/תשפ"ג</a:t>
+              <a:t>י"ח/טבת/תשפ"ג</a:t>
             </a:fld>
             <a:endParaRPr lang="he-IL"/>
           </a:p>
@@ -2520,7 +2520,7 @@
           <a:p>
             <a:fld id="{AA2D5501-9F36-4C3E-97D7-8E8C40C7925C}" type="datetimeFigureOut">
               <a:rPr lang="he-IL" smtClean="0"/>
-              <a:t>ט"ז/טבת/תשפ"ג</a:t>
+              <a:t>י"ח/טבת/תשפ"ג</a:t>
             </a:fld>
             <a:endParaRPr lang="he-IL"/>
           </a:p>
@@ -3654,7 +3654,7 @@
           <a:p>
             <a:fld id="{AA2D5501-9F36-4C3E-97D7-8E8C40C7925C}" type="datetimeFigureOut">
               <a:rPr lang="he-IL" smtClean="0"/>
-              <a:t>ט"ז/טבת/תשפ"ג</a:t>
+              <a:t>י"ח/טבת/תשפ"ג</a:t>
             </a:fld>
             <a:endParaRPr lang="he-IL"/>
           </a:p>
@@ -4687,7 +4687,7 @@
           <a:p>
             <a:fld id="{AA2D5501-9F36-4C3E-97D7-8E8C40C7925C}" type="datetimeFigureOut">
               <a:rPr lang="he-IL" smtClean="0"/>
-              <a:t>ט"ז/טבת/תשפ"ג</a:t>
+              <a:t>י"ח/טבת/תשפ"ג</a:t>
             </a:fld>
             <a:endParaRPr lang="he-IL"/>
           </a:p>
@@ -5347,7 +5347,7 @@
           <a:p>
             <a:fld id="{AA2D5501-9F36-4C3E-97D7-8E8C40C7925C}" type="datetimeFigureOut">
               <a:rPr lang="he-IL" smtClean="0"/>
-              <a:t>ט"ז/טבת/תשפ"ג</a:t>
+              <a:t>י"ח/טבת/תשפ"ג</a:t>
             </a:fld>
             <a:endParaRPr lang="he-IL"/>
           </a:p>
@@ -6208,7 +6208,7 @@
           <a:p>
             <a:fld id="{AA2D5501-9F36-4C3E-97D7-8E8C40C7925C}" type="datetimeFigureOut">
               <a:rPr lang="he-IL" smtClean="0"/>
-              <a:t>ט"ז/טבת/תשפ"ג</a:t>
+              <a:t>י"ח/טבת/תשפ"ג</a:t>
             </a:fld>
             <a:endParaRPr lang="he-IL"/>
           </a:p>
@@ -6398,7 +6398,7 @@
           <a:p>
             <a:fld id="{AA2D5501-9F36-4C3E-97D7-8E8C40C7925C}" type="datetimeFigureOut">
               <a:rPr lang="he-IL" smtClean="0"/>
-              <a:t>ט"ז/טבת/תשפ"ג</a:t>
+              <a:t>י"ח/טבת/תשפ"ג</a:t>
             </a:fld>
             <a:endParaRPr lang="he-IL"/>
           </a:p>
@@ -7370,7 +7370,7 @@
           <a:p>
             <a:fld id="{AA2D5501-9F36-4C3E-97D7-8E8C40C7925C}" type="datetimeFigureOut">
               <a:rPr lang="he-IL" smtClean="0"/>
-              <a:t>ט"ז/טבת/תשפ"ג</a:t>
+              <a:t>י"ח/טבת/תשפ"ג</a:t>
             </a:fld>
             <a:endParaRPr lang="he-IL"/>
           </a:p>
@@ -7581,7 +7581,7 @@
           <a:p>
             <a:fld id="{AA2D5501-9F36-4C3E-97D7-8E8C40C7925C}" type="datetimeFigureOut">
               <a:rPr lang="he-IL" smtClean="0"/>
-              <a:t>ט"ז/טבת/תשפ"ג</a:t>
+              <a:t>י"ח/טבת/תשפ"ג</a:t>
             </a:fld>
             <a:endParaRPr lang="he-IL"/>
           </a:p>
@@ -8615,7 +8615,7 @@
           <a:p>
             <a:fld id="{AA2D5501-9F36-4C3E-97D7-8E8C40C7925C}" type="datetimeFigureOut">
               <a:rPr lang="he-IL" smtClean="0"/>
-              <a:t>ט"ז/טבת/תשפ"ג</a:t>
+              <a:t>י"ח/טבת/תשפ"ג</a:t>
             </a:fld>
             <a:endParaRPr lang="he-IL"/>
           </a:p>
@@ -8887,7 +8887,7 @@
           <a:p>
             <a:fld id="{AA2D5501-9F36-4C3E-97D7-8E8C40C7925C}" type="datetimeFigureOut">
               <a:rPr lang="he-IL" smtClean="0"/>
-              <a:t>ט"ז/טבת/תשפ"ג</a:t>
+              <a:t>י"ח/טבת/תשפ"ג</a:t>
             </a:fld>
             <a:endParaRPr lang="he-IL"/>
           </a:p>
@@ -9297,7 +9297,7 @@
           <a:p>
             <a:fld id="{AA2D5501-9F36-4C3E-97D7-8E8C40C7925C}" type="datetimeFigureOut">
               <a:rPr lang="he-IL" smtClean="0"/>
-              <a:t>ט"ז/טבת/תשפ"ג</a:t>
+              <a:t>י"ח/טבת/תשפ"ג</a:t>
             </a:fld>
             <a:endParaRPr lang="he-IL"/>
           </a:p>
@@ -9424,7 +9424,7 @@
           <a:p>
             <a:fld id="{AA2D5501-9F36-4C3E-97D7-8E8C40C7925C}" type="datetimeFigureOut">
               <a:rPr lang="he-IL" smtClean="0"/>
-              <a:t>ט"ז/טבת/תשפ"ג</a:t>
+              <a:t>י"ח/טבת/תשפ"ג</a:t>
             </a:fld>
             <a:endParaRPr lang="he-IL"/>
           </a:p>
@@ -9519,7 +9519,7 @@
           <a:p>
             <a:fld id="{AA2D5501-9F36-4C3E-97D7-8E8C40C7925C}" type="datetimeFigureOut">
               <a:rPr lang="he-IL" smtClean="0"/>
-              <a:t>ט"ז/טבת/תשפ"ג</a:t>
+              <a:t>י"ח/טבת/תשפ"ג</a:t>
             </a:fld>
             <a:endParaRPr lang="he-IL"/>
           </a:p>
@@ -10600,7 +10600,7 @@
           <a:p>
             <a:fld id="{AA2D5501-9F36-4C3E-97D7-8E8C40C7925C}" type="datetimeFigureOut">
               <a:rPr lang="he-IL" smtClean="0"/>
-              <a:t>ט"ז/טבת/תשפ"ג</a:t>
+              <a:t>י"ח/טבת/תשפ"ג</a:t>
             </a:fld>
             <a:endParaRPr lang="he-IL"/>
           </a:p>
@@ -11708,7 +11708,7 @@
           <a:p>
             <a:fld id="{AA2D5501-9F36-4C3E-97D7-8E8C40C7925C}" type="datetimeFigureOut">
               <a:rPr lang="he-IL" smtClean="0"/>
-              <a:t>ט"ז/טבת/תשפ"ג</a:t>
+              <a:t>י"ח/טבת/תשפ"ג</a:t>
             </a:fld>
             <a:endParaRPr lang="he-IL"/>
           </a:p>
@@ -12705,7 +12705,7 @@
           <a:p>
             <a:fld id="{AA2D5501-9F36-4C3E-97D7-8E8C40C7925C}" type="datetimeFigureOut">
               <a:rPr lang="he-IL" smtClean="0"/>
-              <a:t>ט"ז/טבת/תשפ"ג</a:t>
+              <a:t>י"ח/טבת/תשפ"ג</a:t>
             </a:fld>
             <a:endParaRPr lang="he-IL"/>
           </a:p>
@@ -14040,13 +14040,13 @@
               </a:ext>
             </a:extLst>
           </a:blip>
-          <a:srcRect l="36003" t="30276" r="47886" b="44337"/>
+          <a:srcRect l="36809" t="30276" r="47886" b="44337"/>
           <a:stretch/>
         </p:blipFill>
         <p:spPr>
           <a:xfrm>
-            <a:off x="-37516" y="1870043"/>
-            <a:ext cx="3357491" cy="2040776"/>
+            <a:off x="130629" y="1870043"/>
+            <a:ext cx="3189346" cy="2040776"/>
           </a:xfrm>
           <a:prstGeom prst="rect">
             <a:avLst/>
@@ -14189,13 +14189,13 @@
               </a:ext>
             </a:extLst>
           </a:blip>
-          <a:srcRect l="36003" t="30276" r="47886" b="44337"/>
+          <a:srcRect l="37372" t="30276" r="47886" b="44337"/>
           <a:stretch/>
         </p:blipFill>
         <p:spPr>
           <a:xfrm>
-            <a:off x="-79719" y="2016369"/>
-            <a:ext cx="3463071" cy="1819085"/>
+            <a:off x="214604" y="2016369"/>
+            <a:ext cx="3168748" cy="1819085"/>
           </a:xfrm>
           <a:prstGeom prst="rect">
             <a:avLst/>

--- a/Games/GameAndWatch/Images Editor.pptx
+++ b/Games/GameAndWatch/Images Editor.pptx
@@ -10,7 +10,8 @@
     <p:sldId id="258" r:id="rId4"/>
     <p:sldId id="261" r:id="rId5"/>
     <p:sldId id="260" r:id="rId6"/>
-    <p:sldId id="259" r:id="rId7"/>
+    <p:sldId id="262" r:id="rId7"/>
+    <p:sldId id="259" r:id="rId8"/>
   </p:sldIdLst>
   <p:sldSz cx="12192000" cy="6858000"/>
   <p:notesSz cx="6858000" cy="9144000"/>
@@ -13971,6 +13972,76 @@
       </p:pic>
       <p:pic>
         <p:nvPicPr>
+          <p:cNvPr id="4" name="תמונה 3">
+            <a:extLst>
+              <a:ext uri="{FF2B5EF4-FFF2-40B4-BE49-F238E27FC236}">
+                <a16:creationId xmlns:a16="http://schemas.microsoft.com/office/drawing/2014/main" id="{394A28D2-F9A8-456E-9943-D2DBCFEC26D8}"/>
+              </a:ext>
+            </a:extLst>
+          </p:cNvPr>
+          <p:cNvPicPr>
+            <a:picLocks noChangeAspect="1"/>
+          </p:cNvPicPr>
+          <p:nvPr/>
+        </p:nvPicPr>
+        <p:blipFill rotWithShape="1">
+          <a:blip r:embed="rId3">
+            <a:extLst>
+              <a:ext uri="{BEBA8EAE-BF5A-486C-A8C5-ECC9F3942E4B}">
+                <a14:imgProps xmlns:a14="http://schemas.microsoft.com/office/drawing/2010/main">
+                  <a14:imgLayer r:embed="rId4">
+                    <a14:imgEffect>
+                      <a14:backgroundRemoval t="2609" b="54348" l="36377" r="54058">
+                        <a14:foregroundMark x1="37319" y1="22826" x2="37971" y2="13913"/>
+                        <a14:foregroundMark x1="37971" y1="13913" x2="37899" y2="3261"/>
+                        <a14:foregroundMark x1="37899" y1="3261" x2="37681" y2="2826"/>
+                        <a14:foregroundMark x1="36449" y1="20217" x2="36667" y2="3478"/>
+                        <a14:foregroundMark x1="53841" y1="17609" x2="54058" y2="15000"/>
+                        <a14:foregroundMark x1="37971" y1="28913" x2="36667" y2="32609"/>
+                        <a14:backgroundMark x1="46232" y1="44348" x2="41377" y2="40435"/>
+                        <a14:backgroundMark x1="41377" y1="40435" x2="37826" y2="41522"/>
+                        <a14:backgroundMark x1="43043" y1="39565" x2="43623" y2="37826"/>
+                        <a14:backgroundMark x1="40362" y1="38478" x2="41014" y2="36957"/>
+                        <a14:backgroundMark x1="40942" y1="32609" x2="40290" y2="35652"/>
+                        <a14:backgroundMark x1="41159" y1="31739" x2="41159" y2="31739"/>
+                        <a14:backgroundMark x1="41159" y1="31739" x2="41159" y2="31739"/>
+                        <a14:backgroundMark x1="43188" y1="29565" x2="42826" y2="34130"/>
+                        <a14:backgroundMark x1="42826" y1="34130" x2="41812" y2="42391"/>
+                        <a14:backgroundMark x1="43913" y1="35000" x2="43913" y2="35000"/>
+                        <a14:backgroundMark x1="46812" y1="38043" x2="46377" y2="47174"/>
+                        <a14:backgroundMark x1="48406" y1="40652" x2="47391" y2="48261"/>
+                        <a14:backgroundMark x1="47391" y1="48261" x2="47391" y2="48261"/>
+                        <a14:backgroundMark x1="48551" y1="40000" x2="48841" y2="40652"/>
+                        <a14:backgroundMark x1="48261" y1="38696" x2="48261" y2="38696"/>
+                        <a14:backgroundMark x1="47391" y1="36957" x2="47391" y2="36957"/>
+                        <a14:backgroundMark x1="46884" y1="35435" x2="46884" y2="35435"/>
+                        <a14:backgroundMark x1="47536" y1="35217" x2="47536" y2="35217"/>
+                        <a14:backgroundMark x1="48333" y1="38261" x2="48333" y2="38261"/>
+                      </a14:backgroundRemoval>
+                    </a14:imgEffect>
+                  </a14:imgLayer>
+                </a14:imgProps>
+              </a:ext>
+              <a:ext uri="{28A0092B-C50C-407E-A947-70E740481C1C}">
+                <a14:useLocalDpi xmlns:a14="http://schemas.microsoft.com/office/drawing/2010/main" val="0"/>
+              </a:ext>
+            </a:extLst>
+          </a:blip>
+          <a:srcRect l="36003" t="2729" r="44130" b="39585"/>
+          <a:stretch/>
+        </p:blipFill>
+        <p:spPr>
+          <a:xfrm>
+            <a:off x="130629" y="-1"/>
+            <a:ext cx="4096140" cy="4142793"/>
+          </a:xfrm>
+          <a:prstGeom prst="rect">
+            <a:avLst/>
+          </a:prstGeom>
+        </p:spPr>
+      </p:pic>
+      <p:pic>
+        <p:nvPicPr>
           <p:cNvPr id="3" name="תמונה 2">
             <a:extLst>
               <a:ext uri="{FF2B5EF4-FFF2-40B4-BE49-F238E27FC236}">
@@ -13984,7 +14055,7 @@
           <p:nvPr/>
         </p:nvPicPr>
         <p:blipFill rotWithShape="1">
-          <a:blip r:embed="rId3">
+          <a:blip r:embed="rId5">
             <a:extLst>
               <a:ext uri="{BEBA8EAE-BF5A-486C-A8C5-ECC9F3942E4B}">
                 <a14:imgProps xmlns:a14="http://schemas.microsoft.com/office/drawing/2010/main">
@@ -14120,6 +14191,76 @@
       </p:pic>
       <p:pic>
         <p:nvPicPr>
+          <p:cNvPr id="4" name="תמונה 3">
+            <a:extLst>
+              <a:ext uri="{FF2B5EF4-FFF2-40B4-BE49-F238E27FC236}">
+                <a16:creationId xmlns:a16="http://schemas.microsoft.com/office/drawing/2014/main" id="{DD9A6AA1-FC86-4679-B396-ECABF39C5242}"/>
+              </a:ext>
+            </a:extLst>
+          </p:cNvPr>
+          <p:cNvPicPr>
+            <a:picLocks noChangeAspect="1"/>
+          </p:cNvPicPr>
+          <p:nvPr/>
+        </p:nvPicPr>
+        <p:blipFill rotWithShape="1">
+          <a:blip r:embed="rId3">
+            <a:extLst>
+              <a:ext uri="{BEBA8EAE-BF5A-486C-A8C5-ECC9F3942E4B}">
+                <a14:imgProps xmlns:a14="http://schemas.microsoft.com/office/drawing/2010/main">
+                  <a14:imgLayer r:embed="rId4">
+                    <a14:imgEffect>
+                      <a14:backgroundRemoval t="2609" b="54348" l="36377" r="54058">
+                        <a14:foregroundMark x1="37319" y1="22826" x2="37971" y2="13913"/>
+                        <a14:foregroundMark x1="37971" y1="13913" x2="37899" y2="3261"/>
+                        <a14:foregroundMark x1="37899" y1="3261" x2="37681" y2="2826"/>
+                        <a14:foregroundMark x1="36449" y1="20217" x2="36667" y2="3478"/>
+                        <a14:foregroundMark x1="53841" y1="17609" x2="54058" y2="15000"/>
+                        <a14:foregroundMark x1="37971" y1="28913" x2="36667" y2="32609"/>
+                        <a14:backgroundMark x1="46232" y1="44348" x2="41377" y2="40435"/>
+                        <a14:backgroundMark x1="41377" y1="40435" x2="37826" y2="41522"/>
+                        <a14:backgroundMark x1="43043" y1="39565" x2="43623" y2="37826"/>
+                        <a14:backgroundMark x1="40362" y1="38478" x2="41014" y2="36957"/>
+                        <a14:backgroundMark x1="40942" y1="32609" x2="40290" y2="35652"/>
+                        <a14:backgroundMark x1="41159" y1="31739" x2="41159" y2="31739"/>
+                        <a14:backgroundMark x1="41159" y1="31739" x2="41159" y2="31739"/>
+                        <a14:backgroundMark x1="43188" y1="29565" x2="42826" y2="34130"/>
+                        <a14:backgroundMark x1="42826" y1="34130" x2="41812" y2="42391"/>
+                        <a14:backgroundMark x1="43913" y1="35000" x2="43913" y2="35000"/>
+                        <a14:backgroundMark x1="46812" y1="38043" x2="46377" y2="47174"/>
+                        <a14:backgroundMark x1="48406" y1="40652" x2="47391" y2="48261"/>
+                        <a14:backgroundMark x1="47391" y1="48261" x2="47391" y2="48261"/>
+                        <a14:backgroundMark x1="48551" y1="40000" x2="48841" y2="40652"/>
+                        <a14:backgroundMark x1="48261" y1="38696" x2="48261" y2="38696"/>
+                        <a14:backgroundMark x1="47391" y1="36957" x2="47391" y2="36957"/>
+                        <a14:backgroundMark x1="46884" y1="35435" x2="46884" y2="35435"/>
+                        <a14:backgroundMark x1="47536" y1="35217" x2="47536" y2="35217"/>
+                        <a14:backgroundMark x1="48333" y1="38261" x2="48333" y2="38261"/>
+                      </a14:backgroundRemoval>
+                    </a14:imgEffect>
+                  </a14:imgLayer>
+                </a14:imgProps>
+              </a:ext>
+              <a:ext uri="{28A0092B-C50C-407E-A947-70E740481C1C}">
+                <a14:useLocalDpi xmlns:a14="http://schemas.microsoft.com/office/drawing/2010/main" val="0"/>
+              </a:ext>
+            </a:extLst>
+          </a:blip>
+          <a:srcRect l="36003" t="1702" r="44130" b="39586"/>
+          <a:stretch/>
+        </p:blipFill>
+        <p:spPr>
+          <a:xfrm>
+            <a:off x="33209" y="-1"/>
+            <a:ext cx="4096140" cy="4153080"/>
+          </a:xfrm>
+          <a:prstGeom prst="rect">
+            <a:avLst/>
+          </a:prstGeom>
+        </p:spPr>
+      </p:pic>
+      <p:pic>
+        <p:nvPicPr>
           <p:cNvPr id="3" name="תמונה 2">
             <a:extLst>
               <a:ext uri="{FF2B5EF4-FFF2-40B4-BE49-F238E27FC236}">
@@ -14133,7 +14274,7 @@
           <p:nvPr/>
         </p:nvPicPr>
         <p:blipFill rotWithShape="1">
-          <a:blip r:embed="rId3">
+          <a:blip r:embed="rId5">
             <a:extLst>
               <a:ext uri="{BEBA8EAE-BF5A-486C-A8C5-ECC9F3942E4B}">
                 <a14:imgProps xmlns:a14="http://schemas.microsoft.com/office/drawing/2010/main">
@@ -14281,6 +14422,106 @@
 </file>
 
 <file path=ppt/slides/slide6.xml><?xml version="1.0" encoding="utf-8"?>
+<p:sld xmlns:a="http://schemas.openxmlformats.org/drawingml/2006/main" xmlns:r="http://schemas.openxmlformats.org/officeDocument/2006/relationships" xmlns:p="http://schemas.openxmlformats.org/presentationml/2006/main">
+  <p:cSld>
+    <p:spTree>
+      <p:nvGrpSpPr>
+        <p:cNvPr id="1" name=""/>
+        <p:cNvGrpSpPr/>
+        <p:nvPr/>
+      </p:nvGrpSpPr>
+      <p:grpSpPr>
+        <a:xfrm>
+          <a:off x="0" y="0"/>
+          <a:ext cx="0" cy="0"/>
+          <a:chOff x="0" y="0"/>
+          <a:chExt cx="0" cy="0"/>
+        </a:xfrm>
+      </p:grpSpPr>
+      <p:pic>
+        <p:nvPicPr>
+          <p:cNvPr id="5" name="תמונה 4">
+            <a:extLst>
+              <a:ext uri="{FF2B5EF4-FFF2-40B4-BE49-F238E27FC236}">
+                <a16:creationId xmlns:a16="http://schemas.microsoft.com/office/drawing/2014/main" id="{B964CB1A-2A84-49D2-98EF-0B7B7DB9D94C}"/>
+              </a:ext>
+            </a:extLst>
+          </p:cNvPr>
+          <p:cNvPicPr>
+            <a:picLocks noChangeAspect="1"/>
+          </p:cNvPicPr>
+          <p:nvPr/>
+        </p:nvPicPr>
+        <p:blipFill rotWithShape="1">
+          <a:blip r:embed="rId2">
+            <a:extLst>
+              <a:ext uri="{BEBA8EAE-BF5A-486C-A8C5-ECC9F3942E4B}">
+                <a14:imgProps xmlns:a14="http://schemas.microsoft.com/office/drawing/2010/main">
+                  <a14:imgLayer r:embed="rId3">
+                    <a14:imgEffect>
+                      <a14:backgroundRemoval t="2609" b="54348" l="36377" r="54058">
+                        <a14:foregroundMark x1="37319" y1="22826" x2="37971" y2="13913"/>
+                        <a14:foregroundMark x1="37971" y1="13913" x2="37899" y2="3261"/>
+                        <a14:foregroundMark x1="37899" y1="3261" x2="37681" y2="2826"/>
+                        <a14:foregroundMark x1="36449" y1="20217" x2="36667" y2="3478"/>
+                        <a14:foregroundMark x1="53841" y1="17609" x2="54058" y2="15000"/>
+                        <a14:foregroundMark x1="37971" y1="28913" x2="36667" y2="32609"/>
+                        <a14:backgroundMark x1="46232" y1="44348" x2="41377" y2="40435"/>
+                        <a14:backgroundMark x1="41377" y1="40435" x2="37826" y2="41522"/>
+                        <a14:backgroundMark x1="43043" y1="39565" x2="43623" y2="37826"/>
+                        <a14:backgroundMark x1="40362" y1="38478" x2="41014" y2="36957"/>
+                        <a14:backgroundMark x1="40942" y1="32609" x2="40290" y2="35652"/>
+                        <a14:backgroundMark x1="41159" y1="31739" x2="41159" y2="31739"/>
+                        <a14:backgroundMark x1="41159" y1="31739" x2="41159" y2="31739"/>
+                        <a14:backgroundMark x1="43188" y1="29565" x2="42826" y2="34130"/>
+                        <a14:backgroundMark x1="42826" y1="34130" x2="41812" y2="42391"/>
+                        <a14:backgroundMark x1="43913" y1="35000" x2="43913" y2="35000"/>
+                        <a14:backgroundMark x1="46812" y1="38043" x2="46377" y2="47174"/>
+                        <a14:backgroundMark x1="48406" y1="40652" x2="47391" y2="48261"/>
+                        <a14:backgroundMark x1="47391" y1="48261" x2="47391" y2="48261"/>
+                        <a14:backgroundMark x1="48551" y1="40000" x2="48841" y2="40652"/>
+                        <a14:backgroundMark x1="48261" y1="38696" x2="48261" y2="38696"/>
+                        <a14:backgroundMark x1="47391" y1="36957" x2="47391" y2="36957"/>
+                        <a14:backgroundMark x1="46884" y1="35435" x2="46884" y2="35435"/>
+                        <a14:backgroundMark x1="47536" y1="35217" x2="47536" y2="35217"/>
+                        <a14:backgroundMark x1="48333" y1="38261" x2="48333" y2="38261"/>
+                      </a14:backgroundRemoval>
+                    </a14:imgEffect>
+                  </a14:imgLayer>
+                </a14:imgProps>
+              </a:ext>
+              <a:ext uri="{28A0092B-C50C-407E-A947-70E740481C1C}">
+                <a14:useLocalDpi xmlns:a14="http://schemas.microsoft.com/office/drawing/2010/main" val="0"/>
+              </a:ext>
+            </a:extLst>
+          </a:blip>
+          <a:srcRect l="36003" r="44130" b="39586"/>
+          <a:stretch/>
+        </p:blipFill>
+        <p:spPr>
+          <a:xfrm>
+            <a:off x="0" y="-46654"/>
+            <a:ext cx="4096140" cy="4152123"/>
+          </a:xfrm>
+          <a:prstGeom prst="rect">
+            <a:avLst/>
+          </a:prstGeom>
+        </p:spPr>
+      </p:pic>
+    </p:spTree>
+    <p:extLst>
+      <p:ext uri="{BB962C8B-B14F-4D97-AF65-F5344CB8AC3E}">
+        <p14:creationId xmlns:p14="http://schemas.microsoft.com/office/powerpoint/2010/main" val="702429104"/>
+      </p:ext>
+    </p:extLst>
+  </p:cSld>
+  <p:clrMapOvr>
+    <a:masterClrMapping/>
+  </p:clrMapOvr>
+</p:sld>
+</file>
+
+<file path=ppt/slides/slide7.xml><?xml version="1.0" encoding="utf-8"?>
 <p:sld xmlns:a="http://schemas.openxmlformats.org/drawingml/2006/main" xmlns:r="http://schemas.openxmlformats.org/officeDocument/2006/relationships" xmlns:p="http://schemas.openxmlformats.org/presentationml/2006/main">
   <p:cSld>
     <p:spTree>
